--- a/Assets/Menu/Menu-Vertical.pptx
+++ b/Assets/Menu/Menu-Vertical.pptx
@@ -10154,7 +10154,19 @@
                 <a:cs typeface="Calibri"/>
                 <a:sym typeface="Calibri"/>
               </a:rPr>
-              <a:t>4+			$2.00</a:t>
+              <a:t>4+		</a:t>
+            </a:r>
+            <a:r>
+              <a:rPr lang="en-US" sz="2700" b="1">
+                <a:solidFill>
+                  <a:schemeClr val="lt1"/>
+                </a:solidFill>
+                <a:latin typeface="Calibri"/>
+                <a:ea typeface="Calibri"/>
+                <a:cs typeface="Calibri"/>
+                <a:sym typeface="Calibri"/>
+              </a:rPr>
+              <a:t>	$3.00</a:t>
             </a:r>
             <a:endParaRPr sz="3150" dirty="0">
               <a:latin typeface="Calibri"/>

--- a/Assets/Menu/Menu-Vertical.pptx
+++ b/Assets/Menu/Menu-Vertical.pptx
@@ -256,8 +256,11 @@
     </a:lvl9pPr>
   </p:defaultTextStyle>
   <p:extLst>
+    <p:ext uri="{EFAFB233-063F-42B5-8137-9DF3F51BA10A}">
+      <p15:sldGuideLst xmlns:p15="http://schemas.microsoft.com/office/powerpoint/2012/main"/>
+    </p:ext>
     <p:ext uri="http://customooxmlschemas.google.com/">
-      <go:slidesCustomData xmlns:go="http://customooxmlschemas.google.com/" xmlns:ahyp="http://schemas.microsoft.com/office/drawing/2018/hyperlinkcolor" xmlns:p15="http://schemas.microsoft.com/office/powerpoint/2012/main" xmlns:p14="http://schemas.microsoft.com/office/powerpoint/2010/main" xmlns:com="http://schemas.openxmlformats.org/drawingml/2006/compatibility" xmlns:pvml="urn:schemas-microsoft-com:office:powerpoint" xmlns:v="urn:schemas-microsoft-com:vml" xmlns:o="urn:schemas-microsoft-com:office:office" xmlns:dgm="http://schemas.openxmlformats.org/drawingml/2006/diagram" xmlns:c="http://schemas.openxmlformats.org/drawingml/2006/chart" xmlns:mv="urn:schemas-microsoft-com:mac:vml" xmlns:mc="http://schemas.openxmlformats.org/markup-compatibility/2006" xmlns="" r:id="rId10" roundtripDataSignature="AMtx7mi2zNYZbJAjD16iZGTwi9NsSKTPOg=="/>
+      <go:slidesCustomData xmlns="" xmlns:mc="http://schemas.openxmlformats.org/markup-compatibility/2006" xmlns:mv="urn:schemas-microsoft-com:mac:vml" xmlns:c="http://schemas.openxmlformats.org/drawingml/2006/chart" xmlns:dgm="http://schemas.openxmlformats.org/drawingml/2006/diagram" xmlns:o="urn:schemas-microsoft-com:office:office" xmlns:v="urn:schemas-microsoft-com:vml" xmlns:pvml="urn:schemas-microsoft-com:office:powerpoint" xmlns:com="http://schemas.openxmlformats.org/drawingml/2006/compatibility" xmlns:p14="http://schemas.microsoft.com/office/powerpoint/2010/main" xmlns:p15="http://schemas.microsoft.com/office/powerpoint/2012/main" xmlns:ahyp="http://schemas.microsoft.com/office/drawing/2018/hyperlinkcolor" xmlns:go="http://customooxmlschemas.google.com/" r:id="rId10" roundtripDataSignature="AMtx7mi2zNYZbJAjD16iZGTwi9NsSKTPOg=="/>
     </p:ext>
   </p:extLst>
 </p:presentation>
@@ -14175,7 +14178,19 @@
                 <a:cs typeface="Calibri"/>
                 <a:sym typeface="Calibri"/>
               </a:rPr>
-              <a:t>Candy Bars		$1.00</a:t>
+              <a:t>Candy Bars	</a:t>
+            </a:r>
+            <a:r>
+              <a:rPr lang="en-US" sz="2700" b="1" i="0" u="none" strike="noStrike" cap="none">
+                <a:solidFill>
+                  <a:srgbClr val="000000"/>
+                </a:solidFill>
+                <a:latin typeface="Calibri"/>
+                <a:ea typeface="Calibri"/>
+                <a:cs typeface="Calibri"/>
+                <a:sym typeface="Calibri"/>
+              </a:rPr>
+              <a:t>	$2.00</a:t>
             </a:r>
             <a:endParaRPr sz="2700" b="1" i="0" u="none" strike="noStrike" cap="none" dirty="0">
               <a:solidFill>
